--- a/session-3-wrangling/session-3-wrangling.pptx
+++ b/session-3-wrangling/session-3-wrangling.pptx
@@ -32,6 +32,7 @@
     <p:sldId id="294" r:id="rId26"/>
     <p:sldId id="295" r:id="rId27"/>
     <p:sldId id="296" r:id="rId28"/>
+    <p:sldId id="297" r:id="rId29"/>
   </p:sldIdLst>
   <p:sldSz cx="9144000" cy="6858000" type="screen4x3"/>
   <p:notesSz cx="6858000" cy="9144000"/>
@@ -328,7 +329,7 @@
           <a:p>
             <a:fld id="{FED704DD-ECE8-4EBA-89AC-54C15DA6AD2B}" type="datetimeFigureOut">
               <a:rPr lang="en-US" smtClean="0"/>
-              <a:t>2/25/2023</a:t>
+              <a:t>3/2/2023</a:t>
             </a:fld>
             <a:endParaRPr lang="en-US"/>
           </a:p>
@@ -496,7 +497,7 @@
           <a:p>
             <a:fld id="{FED704DD-ECE8-4EBA-89AC-54C15DA6AD2B}" type="datetimeFigureOut">
               <a:rPr lang="en-US" smtClean="0"/>
-              <a:t>2/25/2023</a:t>
+              <a:t>3/2/2023</a:t>
             </a:fld>
             <a:endParaRPr lang="en-US"/>
           </a:p>
@@ -674,7 +675,7 @@
           <a:p>
             <a:fld id="{FED704DD-ECE8-4EBA-89AC-54C15DA6AD2B}" type="datetimeFigureOut">
               <a:rPr lang="en-US" smtClean="0"/>
-              <a:t>2/25/2023</a:t>
+              <a:t>3/2/2023</a:t>
             </a:fld>
             <a:endParaRPr lang="en-US"/>
           </a:p>
@@ -842,7 +843,7 @@
           <a:p>
             <a:fld id="{FED704DD-ECE8-4EBA-89AC-54C15DA6AD2B}" type="datetimeFigureOut">
               <a:rPr lang="en-US" smtClean="0"/>
-              <a:t>2/25/2023</a:t>
+              <a:t>3/2/2023</a:t>
             </a:fld>
             <a:endParaRPr lang="en-US"/>
           </a:p>
@@ -1087,7 +1088,7 @@
           <a:p>
             <a:fld id="{FED704DD-ECE8-4EBA-89AC-54C15DA6AD2B}" type="datetimeFigureOut">
               <a:rPr lang="en-US" smtClean="0"/>
-              <a:t>2/25/2023</a:t>
+              <a:t>3/2/2023</a:t>
             </a:fld>
             <a:endParaRPr lang="en-US"/>
           </a:p>
@@ -1372,7 +1373,7 @@
           <a:p>
             <a:fld id="{FED704DD-ECE8-4EBA-89AC-54C15DA6AD2B}" type="datetimeFigureOut">
               <a:rPr lang="en-US" smtClean="0"/>
-              <a:t>2/25/2023</a:t>
+              <a:t>3/2/2023</a:t>
             </a:fld>
             <a:endParaRPr lang="en-US"/>
           </a:p>
@@ -1791,7 +1792,7 @@
           <a:p>
             <a:fld id="{FED704DD-ECE8-4EBA-89AC-54C15DA6AD2B}" type="datetimeFigureOut">
               <a:rPr lang="en-US" smtClean="0"/>
-              <a:t>2/25/2023</a:t>
+              <a:t>3/2/2023</a:t>
             </a:fld>
             <a:endParaRPr lang="en-US"/>
           </a:p>
@@ -1908,7 +1909,7 @@
           <a:p>
             <a:fld id="{FED704DD-ECE8-4EBA-89AC-54C15DA6AD2B}" type="datetimeFigureOut">
               <a:rPr lang="en-US" smtClean="0"/>
-              <a:t>2/25/2023</a:t>
+              <a:t>3/2/2023</a:t>
             </a:fld>
             <a:endParaRPr lang="en-US"/>
           </a:p>
@@ -2003,7 +2004,7 @@
           <a:p>
             <a:fld id="{FED704DD-ECE8-4EBA-89AC-54C15DA6AD2B}" type="datetimeFigureOut">
               <a:rPr lang="en-US" smtClean="0"/>
-              <a:t>2/25/2023</a:t>
+              <a:t>3/2/2023</a:t>
             </a:fld>
             <a:endParaRPr lang="en-US"/>
           </a:p>
@@ -2278,7 +2279,7 @@
           <a:p>
             <a:fld id="{FED704DD-ECE8-4EBA-89AC-54C15DA6AD2B}" type="datetimeFigureOut">
               <a:rPr lang="en-US" smtClean="0"/>
-              <a:t>2/25/2023</a:t>
+              <a:t>3/2/2023</a:t>
             </a:fld>
             <a:endParaRPr lang="en-US"/>
           </a:p>
@@ -2530,7 +2531,7 @@
           <a:p>
             <a:fld id="{FED704DD-ECE8-4EBA-89AC-54C15DA6AD2B}" type="datetimeFigureOut">
               <a:rPr lang="en-US" smtClean="0"/>
-              <a:t>2/25/2023</a:t>
+              <a:t>3/2/2023</a:t>
             </a:fld>
             <a:endParaRPr lang="en-US"/>
           </a:p>
@@ -2741,7 +2742,7 @@
           <a:p>
             <a:fld id="{FED704DD-ECE8-4EBA-89AC-54C15DA6AD2B}" type="datetimeFigureOut">
               <a:rPr lang="en-US" smtClean="0"/>
-              <a:t>2/25/2023</a:t>
+              <a:t>3/2/2023</a:t>
             </a:fld>
             <a:endParaRPr lang="en-US"/>
           </a:p>
@@ -3163,7 +3164,7 @@
         <p:spPr/>
         <p:txBody>
           <a:bodyPr>
-            <a:normAutofit/>
+            <a:normAutofit fontScale="92500" lnSpcReduction="10000"/>
           </a:bodyPr>
           <a:lstStyle/>
           <a:p>
@@ -3201,6 +3202,66 @@
           <a:p>
             <a:pPr marL="0" indent="0">
               <a:buNone/>
+            </a:pPr>
+            <a:endParaRPr lang="en-US" dirty="0"/>
+          </a:p>
+          <a:p>
+            <a:pPr marL="0" indent="0">
+              <a:buNone/>
+            </a:pPr>
+            <a:r>
+              <a:rPr lang="en-US" dirty="0"/>
+              <a:t>And install two packages:</a:t>
+            </a:r>
+          </a:p>
+          <a:p>
+            <a:pPr>
+              <a:buFontTx/>
+              <a:buChar char="-"/>
+            </a:pPr>
+            <a:r>
+              <a:rPr lang="en-US" dirty="0" err="1"/>
+              <a:t>install.packages</a:t>
+            </a:r>
+            <a:r>
+              <a:rPr lang="en-US" dirty="0"/>
+              <a:t>(“</a:t>
+            </a:r>
+            <a:r>
+              <a:rPr lang="en-US" dirty="0" err="1"/>
+              <a:t>dplyr</a:t>
+            </a:r>
+            <a:r>
+              <a:rPr lang="en-US" dirty="0"/>
+              <a:t>”)</a:t>
+            </a:r>
+          </a:p>
+          <a:p>
+            <a:pPr>
+              <a:buFontTx/>
+              <a:buChar char="-"/>
+            </a:pPr>
+            <a:r>
+              <a:rPr lang="en-US" dirty="0" err="1"/>
+              <a:t>Install.packages</a:t>
+            </a:r>
+            <a:r>
+              <a:rPr lang="en-US" dirty="0"/>
+              <a:t>(“</a:t>
+            </a:r>
+            <a:r>
+              <a:rPr lang="en-US" dirty="0" err="1"/>
+              <a:t>tidyr</a:t>
+            </a:r>
+            <a:r>
+              <a:rPr lang="en-US" dirty="0"/>
+              <a:t>”)</a:t>
+            </a:r>
+          </a:p>
+          <a:p>
+            <a:pPr>
+              <a:buFontTx/>
+              <a:buChar char="-"/>
             </a:pPr>
             <a:endParaRPr lang="en-US" dirty="0"/>
           </a:p>
@@ -11440,7 +11501,7 @@
         </p:nvGraphicFramePr>
         <p:xfrm>
           <a:off x="1159328" y="2311711"/>
-          <a:ext cx="2481944" cy="2520329"/>
+          <a:ext cx="2481944" cy="2520332"/>
         </p:xfrm>
         <a:graphic>
           <a:graphicData uri="http://schemas.openxmlformats.org/drawingml/2006/table">
@@ -11875,7 +11936,7 @@
         </p:nvGraphicFramePr>
         <p:xfrm>
           <a:off x="4229101" y="2257412"/>
-          <a:ext cx="3600451" cy="971577"/>
+          <a:ext cx="3600451" cy="979198"/>
         </p:xfrm>
         <a:graphic>
           <a:graphicData uri="http://schemas.openxmlformats.org/drawingml/2006/table">
@@ -14375,10 +14436,135 @@
           </a:extLst>
         </p:spPr>
       </p:pic>
+      <p:sp>
+        <p:nvSpPr>
+          <p:cNvPr id="5" name="TextBox 4">
+            <a:extLst>
+              <a:ext uri="{FF2B5EF4-FFF2-40B4-BE49-F238E27FC236}">
+                <a16:creationId xmlns:a16="http://schemas.microsoft.com/office/drawing/2014/main" id="{9E9D0BE3-64C3-FB1D-BE89-2E96A02F35D4}"/>
+              </a:ext>
+            </a:extLst>
+          </p:cNvPr>
+          <p:cNvSpPr txBox="1"/>
+          <p:nvPr/>
+        </p:nvSpPr>
+        <p:spPr>
+          <a:xfrm>
+            <a:off x="2286000" y="3245828"/>
+            <a:ext cx="4572000" cy="369332"/>
+          </a:xfrm>
+          <a:prstGeom prst="rect">
+            <a:avLst/>
+          </a:prstGeom>
+          <a:noFill/>
+        </p:spPr>
+        <p:txBody>
+          <a:bodyPr wrap="square">
+            <a:spAutoFit/>
+          </a:bodyPr>
+          <a:lstStyle/>
+          <a:p>
+            <a:r>
+              <a:rPr lang="en-US" dirty="0" err="1"/>
+              <a:t>candidate.y</a:t>
+            </a:r>
+            <a:r>
+              <a:rPr lang="en-US" dirty="0"/>
+              <a:t>, </a:t>
+            </a:r>
+          </a:p>
+        </p:txBody>
+      </p:sp>
     </p:spTree>
     <p:extLst>
       <p:ext uri="{BB962C8B-B14F-4D97-AF65-F5344CB8AC3E}">
         <p14:creationId xmlns:p14="http://schemas.microsoft.com/office/powerpoint/2010/main" val="331886359"/>
+      </p:ext>
+    </p:extLst>
+  </p:cSld>
+  <p:clrMapOvr>
+    <a:masterClrMapping/>
+  </p:clrMapOvr>
+</p:sld>
+</file>
+
+<file path=ppt/slides/slide28.xml><?xml version="1.0" encoding="utf-8"?>
+<p:sld xmlns:a="http://schemas.openxmlformats.org/drawingml/2006/main" xmlns:r="http://schemas.openxmlformats.org/officeDocument/2006/relationships" xmlns:p="http://schemas.openxmlformats.org/presentationml/2006/main">
+  <p:cSld>
+    <p:spTree>
+      <p:nvGrpSpPr>
+        <p:cNvPr id="1" name=""/>
+        <p:cNvGrpSpPr/>
+        <p:nvPr/>
+      </p:nvGrpSpPr>
+      <p:grpSpPr>
+        <a:xfrm>
+          <a:off x="0" y="0"/>
+          <a:ext cx="0" cy="0"/>
+          <a:chOff x="0" y="0"/>
+          <a:chExt cx="0" cy="0"/>
+        </a:xfrm>
+      </p:grpSpPr>
+      <p:sp>
+        <p:nvSpPr>
+          <p:cNvPr id="2" name="Title 1"/>
+          <p:cNvSpPr>
+            <a:spLocks noGrp="1"/>
+          </p:cNvSpPr>
+          <p:nvPr>
+            <p:ph type="title"/>
+          </p:nvPr>
+        </p:nvSpPr>
+        <p:spPr/>
+        <p:txBody>
+          <a:bodyPr/>
+          <a:lstStyle/>
+          <a:p>
+            <a:endParaRPr lang="en-US" dirty="0"/>
+          </a:p>
+        </p:txBody>
+      </p:sp>
+      <p:sp>
+        <p:nvSpPr>
+          <p:cNvPr id="5" name="Content Placeholder 4">
+            <a:extLst>
+              <a:ext uri="{FF2B5EF4-FFF2-40B4-BE49-F238E27FC236}">
+                <a16:creationId xmlns:a16="http://schemas.microsoft.com/office/drawing/2014/main" id="{D25FA460-4489-4685-9021-438B930A464C}"/>
+              </a:ext>
+            </a:extLst>
+          </p:cNvPr>
+          <p:cNvSpPr>
+            <a:spLocks noGrp="1"/>
+          </p:cNvSpPr>
+          <p:nvPr>
+            <p:ph idx="1"/>
+          </p:nvPr>
+        </p:nvSpPr>
+        <p:spPr/>
+        <p:txBody>
+          <a:bodyPr/>
+          <a:lstStyle/>
+          <a:p>
+            <a:endParaRPr lang="en-US" dirty="0"/>
+          </a:p>
+          <a:p>
+            <a:endParaRPr lang="en-US" dirty="0"/>
+          </a:p>
+          <a:p>
+            <a:pPr marL="0" indent="0" algn="ctr">
+              <a:buNone/>
+            </a:pPr>
+            <a:r>
+              <a:rPr lang="en-US" dirty="0"/>
+              <a:t>Let’s do it</a:t>
+            </a:r>
+          </a:p>
+        </p:txBody>
+      </p:sp>
+    </p:spTree>
+    <p:extLst>
+      <p:ext uri="{BB962C8B-B14F-4D97-AF65-F5344CB8AC3E}">
+        <p14:creationId xmlns:p14="http://schemas.microsoft.com/office/powerpoint/2010/main" val="1838335856"/>
       </p:ext>
     </p:extLst>
   </p:cSld>

--- a/session-3-wrangling/session-3-wrangling.pptx
+++ b/session-3-wrangling/session-3-wrangling.pptx
@@ -23,16 +23,17 @@
     <p:sldId id="268" r:id="rId17"/>
     <p:sldId id="264" r:id="rId18"/>
     <p:sldId id="271" r:id="rId19"/>
-    <p:sldId id="288" r:id="rId20"/>
-    <p:sldId id="289" r:id="rId21"/>
-    <p:sldId id="290" r:id="rId22"/>
-    <p:sldId id="291" r:id="rId23"/>
-    <p:sldId id="292" r:id="rId24"/>
-    <p:sldId id="293" r:id="rId25"/>
-    <p:sldId id="294" r:id="rId26"/>
-    <p:sldId id="295" r:id="rId27"/>
-    <p:sldId id="296" r:id="rId28"/>
-    <p:sldId id="297" r:id="rId29"/>
+    <p:sldId id="298" r:id="rId20"/>
+    <p:sldId id="288" r:id="rId21"/>
+    <p:sldId id="289" r:id="rId22"/>
+    <p:sldId id="290" r:id="rId23"/>
+    <p:sldId id="291" r:id="rId24"/>
+    <p:sldId id="292" r:id="rId25"/>
+    <p:sldId id="293" r:id="rId26"/>
+    <p:sldId id="294" r:id="rId27"/>
+    <p:sldId id="295" r:id="rId28"/>
+    <p:sldId id="296" r:id="rId29"/>
+    <p:sldId id="297" r:id="rId30"/>
   </p:sldIdLst>
   <p:sldSz cx="9144000" cy="6858000" type="screen4x3"/>
   <p:notesSz cx="6858000" cy="9144000"/>
@@ -329,7 +330,7 @@
           <a:p>
             <a:fld id="{FED704DD-ECE8-4EBA-89AC-54C15DA6AD2B}" type="datetimeFigureOut">
               <a:rPr lang="en-US" smtClean="0"/>
-              <a:t>3/2/2023</a:t>
+              <a:t>3/3/2023</a:t>
             </a:fld>
             <a:endParaRPr lang="en-US"/>
           </a:p>
@@ -497,7 +498,7 @@
           <a:p>
             <a:fld id="{FED704DD-ECE8-4EBA-89AC-54C15DA6AD2B}" type="datetimeFigureOut">
               <a:rPr lang="en-US" smtClean="0"/>
-              <a:t>3/2/2023</a:t>
+              <a:t>3/3/2023</a:t>
             </a:fld>
             <a:endParaRPr lang="en-US"/>
           </a:p>
@@ -675,7 +676,7 @@
           <a:p>
             <a:fld id="{FED704DD-ECE8-4EBA-89AC-54C15DA6AD2B}" type="datetimeFigureOut">
               <a:rPr lang="en-US" smtClean="0"/>
-              <a:t>3/2/2023</a:t>
+              <a:t>3/3/2023</a:t>
             </a:fld>
             <a:endParaRPr lang="en-US"/>
           </a:p>
@@ -843,7 +844,7 @@
           <a:p>
             <a:fld id="{FED704DD-ECE8-4EBA-89AC-54C15DA6AD2B}" type="datetimeFigureOut">
               <a:rPr lang="en-US" smtClean="0"/>
-              <a:t>3/2/2023</a:t>
+              <a:t>3/3/2023</a:t>
             </a:fld>
             <a:endParaRPr lang="en-US"/>
           </a:p>
@@ -1088,7 +1089,7 @@
           <a:p>
             <a:fld id="{FED704DD-ECE8-4EBA-89AC-54C15DA6AD2B}" type="datetimeFigureOut">
               <a:rPr lang="en-US" smtClean="0"/>
-              <a:t>3/2/2023</a:t>
+              <a:t>3/3/2023</a:t>
             </a:fld>
             <a:endParaRPr lang="en-US"/>
           </a:p>
@@ -1373,7 +1374,7 @@
           <a:p>
             <a:fld id="{FED704DD-ECE8-4EBA-89AC-54C15DA6AD2B}" type="datetimeFigureOut">
               <a:rPr lang="en-US" smtClean="0"/>
-              <a:t>3/2/2023</a:t>
+              <a:t>3/3/2023</a:t>
             </a:fld>
             <a:endParaRPr lang="en-US"/>
           </a:p>
@@ -1792,7 +1793,7 @@
           <a:p>
             <a:fld id="{FED704DD-ECE8-4EBA-89AC-54C15DA6AD2B}" type="datetimeFigureOut">
               <a:rPr lang="en-US" smtClean="0"/>
-              <a:t>3/2/2023</a:t>
+              <a:t>3/3/2023</a:t>
             </a:fld>
             <a:endParaRPr lang="en-US"/>
           </a:p>
@@ -1909,7 +1910,7 @@
           <a:p>
             <a:fld id="{FED704DD-ECE8-4EBA-89AC-54C15DA6AD2B}" type="datetimeFigureOut">
               <a:rPr lang="en-US" smtClean="0"/>
-              <a:t>3/2/2023</a:t>
+              <a:t>3/3/2023</a:t>
             </a:fld>
             <a:endParaRPr lang="en-US"/>
           </a:p>
@@ -2004,7 +2005,7 @@
           <a:p>
             <a:fld id="{FED704DD-ECE8-4EBA-89AC-54C15DA6AD2B}" type="datetimeFigureOut">
               <a:rPr lang="en-US" smtClean="0"/>
-              <a:t>3/2/2023</a:t>
+              <a:t>3/3/2023</a:t>
             </a:fld>
             <a:endParaRPr lang="en-US"/>
           </a:p>
@@ -2279,7 +2280,7 @@
           <a:p>
             <a:fld id="{FED704DD-ECE8-4EBA-89AC-54C15DA6AD2B}" type="datetimeFigureOut">
               <a:rPr lang="en-US" smtClean="0"/>
-              <a:t>3/2/2023</a:t>
+              <a:t>3/3/2023</a:t>
             </a:fld>
             <a:endParaRPr lang="en-US"/>
           </a:p>
@@ -2531,7 +2532,7 @@
           <a:p>
             <a:fld id="{FED704DD-ECE8-4EBA-89AC-54C15DA6AD2B}" type="datetimeFigureOut">
               <a:rPr lang="en-US" smtClean="0"/>
-              <a:t>3/2/2023</a:t>
+              <a:t>3/3/2023</a:t>
             </a:fld>
             <a:endParaRPr lang="en-US"/>
           </a:p>
@@ -2742,7 +2743,7 @@
           <a:p>
             <a:fld id="{FED704DD-ECE8-4EBA-89AC-54C15DA6AD2B}" type="datetimeFigureOut">
               <a:rPr lang="en-US" smtClean="0"/>
-              <a:t>3/2/2023</a:t>
+              <a:t>3/3/2023</a:t>
             </a:fld>
             <a:endParaRPr lang="en-US"/>
           </a:p>
@@ -3243,7 +3244,7 @@
             </a:pPr>
             <a:r>
               <a:rPr lang="en-US" dirty="0" err="1"/>
-              <a:t>Install.packages</a:t>
+              <a:t>install.packages</a:t>
             </a:r>
             <a:r>
               <a:rPr lang="en-US" dirty="0"/>
@@ -6282,14 +6283,12 @@
         </p:nvSpPr>
         <p:spPr/>
         <p:txBody>
-          <a:bodyPr>
-            <a:normAutofit/>
-          </a:bodyPr>
+          <a:bodyPr/>
           <a:lstStyle/>
           <a:p>
             <a:r>
               <a:rPr lang="en-US" dirty="0"/>
-              <a:t>“Data Wrangling”</a:t>
+              <a:t>Piping |&gt;</a:t>
             </a:r>
           </a:p>
         </p:txBody>
@@ -6307,7 +6306,7 @@
         <p:spPr/>
         <p:txBody>
           <a:bodyPr>
-            <a:normAutofit lnSpcReduction="10000"/>
+            <a:normAutofit fontScale="70000" lnSpcReduction="20000"/>
           </a:bodyPr>
           <a:lstStyle/>
           <a:p>
@@ -6319,8 +6318,12 @@
               <a:defRPr/>
             </a:pPr>
             <a:r>
-              <a:rPr lang="en-US" dirty="0"/>
-              <a:t>99% of the data tasks you ever need to do are:</a:t>
+              <a:rPr lang="en-US" dirty="0" err="1"/>
+              <a:t>summarise</a:t>
+            </a:r>
+            <a:r>
+              <a:rPr lang="en-US" dirty="0"/>
+              <a:t>(	</a:t>
             </a:r>
           </a:p>
           <a:p>
@@ -6331,160 +6334,258 @@
               <a:buNone/>
               <a:defRPr/>
             </a:pPr>
+            <a:r>
+              <a:rPr lang="en-US" dirty="0"/>
+              <a:t>	</a:t>
+            </a:r>
+            <a:r>
+              <a:rPr lang="en-US" dirty="0" err="1"/>
+              <a:t>group_by</a:t>
+            </a:r>
+            <a:r>
+              <a:rPr lang="en-US" dirty="0"/>
+              <a:t>(</a:t>
+            </a:r>
+          </a:p>
+          <a:p>
+            <a:pPr marL="0" indent="0" defTabSz="685800">
+              <a:spcBef>
+                <a:spcPts val="0"/>
+              </a:spcBef>
+              <a:buNone/>
+              <a:defRPr/>
+            </a:pPr>
+            <a:r>
+              <a:rPr lang="en-US" dirty="0"/>
+              <a:t>		mutate(</a:t>
+            </a:r>
+          </a:p>
+          <a:p>
+            <a:pPr marL="0" indent="0" defTabSz="685800">
+              <a:spcBef>
+                <a:spcPts val="0"/>
+              </a:spcBef>
+              <a:buNone/>
+              <a:defRPr/>
+            </a:pPr>
+            <a:r>
+              <a:rPr lang="en-US" dirty="0"/>
+              <a:t>			filter(</a:t>
+            </a:r>
+            <a:r>
+              <a:rPr lang="en-US" dirty="0" err="1"/>
+              <a:t>mydf</a:t>
+            </a:r>
+            <a:r>
+              <a:rPr lang="en-US" dirty="0"/>
+              <a:t>, age &gt;= 25),</a:t>
+            </a:r>
+          </a:p>
+          <a:p>
+            <a:pPr marL="0" indent="0" defTabSz="685800">
+              <a:spcBef>
+                <a:spcPts val="0"/>
+              </a:spcBef>
+              <a:buNone/>
+              <a:defRPr/>
+            </a:pPr>
+            <a:r>
+              <a:rPr lang="en-US" dirty="0"/>
+              <a:t>			wage = income / </a:t>
+            </a:r>
+            <a:r>
+              <a:rPr lang="en-US" dirty="0" err="1"/>
+              <a:t>hours_worked</a:t>
+            </a:r>
             <a:endParaRPr lang="en-US" dirty="0"/>
           </a:p>
           <a:p>
-            <a:pPr defTabSz="685800">
-              <a:spcBef>
-                <a:spcPts val="0"/>
-              </a:spcBef>
-              <a:buFontTx/>
-              <a:buChar char="-"/>
-              <a:defRPr/>
-            </a:pPr>
-            <a:r>
-              <a:rPr lang="en-US" strike="sngStrike" dirty="0"/>
-              <a:t>subset your data (</a:t>
-            </a:r>
-            <a:r>
-              <a:rPr lang="en-US" strike="sngStrike" dirty="0" err="1"/>
-              <a:t>dplyr</a:t>
-            </a:r>
-            <a:r>
-              <a:rPr lang="en-US" strike="sngStrike" dirty="0"/>
+            <a:pPr marL="0" indent="0" defTabSz="685800">
+              <a:spcBef>
+                <a:spcPts val="0"/>
+              </a:spcBef>
+              <a:buNone/>
+              <a:defRPr/>
+            </a:pPr>
+            <a:r>
+              <a:rPr lang="en-US" dirty="0"/>
+              <a:t>		),</a:t>
+            </a:r>
+          </a:p>
+          <a:p>
+            <a:pPr marL="0" indent="0" defTabSz="685800">
+              <a:spcBef>
+                <a:spcPts val="0"/>
+              </a:spcBef>
+              <a:buNone/>
+              <a:defRPr/>
+            </a:pPr>
+            <a:r>
+              <a:rPr lang="en-US" dirty="0"/>
+              <a:t>		state, year</a:t>
+            </a:r>
+          </a:p>
+          <a:p>
+            <a:pPr marL="0" indent="0" defTabSz="685800">
+              <a:spcBef>
+                <a:spcPts val="0"/>
+              </a:spcBef>
+              <a:buNone/>
+              <a:defRPr/>
+            </a:pPr>
+            <a:r>
+              <a:rPr lang="en-US" dirty="0"/>
+              <a:t>	),</a:t>
+            </a:r>
+          </a:p>
+          <a:p>
+            <a:pPr marL="0" indent="0" defTabSz="685800">
+              <a:spcBef>
+                <a:spcPts val="0"/>
+              </a:spcBef>
+              <a:buNone/>
+              <a:defRPr/>
+            </a:pPr>
+            <a:r>
+              <a:rPr lang="en-US" dirty="0"/>
+              <a:t>	</a:t>
+            </a:r>
+            <a:r>
+              <a:rPr lang="en-US" dirty="0" err="1"/>
+              <a:t>median_wage</a:t>
+            </a:r>
+            <a:r>
+              <a:rPr lang="en-US" dirty="0"/>
+              <a:t> = median(wage)</a:t>
+            </a:r>
+          </a:p>
+          <a:p>
+            <a:pPr marL="0" indent="0" defTabSz="685800">
+              <a:spcBef>
+                <a:spcPts val="0"/>
+              </a:spcBef>
+              <a:buNone/>
+              <a:defRPr/>
+            </a:pPr>
+            <a:r>
+              <a:rPr lang="en-US" dirty="0"/>
               <a:t>)</a:t>
             </a:r>
-          </a:p>
-          <a:p>
-            <a:pPr defTabSz="685800">
-              <a:spcBef>
-                <a:spcPts val="0"/>
-              </a:spcBef>
-              <a:buFontTx/>
-              <a:buChar char="-"/>
-              <a:defRPr/>
-            </a:pPr>
-            <a:r>
-              <a:rPr lang="en-US" strike="sngStrike" dirty="0"/>
-              <a:t>create new variables (</a:t>
-            </a:r>
-            <a:r>
-              <a:rPr lang="en-US" strike="sngStrike" dirty="0" err="1"/>
-              <a:t>dplyr</a:t>
-            </a:r>
-            <a:r>
-              <a:rPr lang="en-US" strike="sngStrike" dirty="0"/>
-              <a:t>)</a:t>
-            </a:r>
-          </a:p>
-          <a:p>
-            <a:pPr defTabSz="685800">
-              <a:spcBef>
-                <a:spcPts val="0"/>
-              </a:spcBef>
-              <a:buFontTx/>
-              <a:buChar char="-"/>
-              <a:defRPr/>
-            </a:pPr>
-            <a:r>
-              <a:rPr lang="en-US" strike="sngStrike" dirty="0"/>
-              <a:t>create summaries (</a:t>
-            </a:r>
-            <a:r>
-              <a:rPr lang="en-US" strike="sngStrike" dirty="0" err="1"/>
-              <a:t>dplyr</a:t>
-            </a:r>
-            <a:r>
-              <a:rPr lang="en-US" strike="sngStrike" dirty="0"/>
-              <a:t>)</a:t>
-            </a:r>
-          </a:p>
-          <a:p>
-            <a:pPr defTabSz="685800">
-              <a:spcBef>
-                <a:spcPts val="0"/>
-              </a:spcBef>
-              <a:buFontTx/>
-              <a:buChar char="-"/>
+            <a:br>
+              <a:rPr lang="en-US" dirty="0"/>
+            </a:br>
+            <a:br>
+              <a:rPr lang="en-US" dirty="0"/>
+            </a:br>
+            <a:r>
+              <a:rPr lang="en-US" dirty="0" err="1"/>
+              <a:t>mydf</a:t>
+            </a:r>
+            <a:r>
+              <a:rPr lang="en-US" dirty="0"/>
+              <a:t> |&gt;</a:t>
+            </a:r>
+          </a:p>
+          <a:p>
+            <a:pPr marL="0" indent="0" defTabSz="685800">
+              <a:spcBef>
+                <a:spcPts val="0"/>
+              </a:spcBef>
+              <a:buNone/>
+              <a:defRPr/>
+            </a:pPr>
+            <a:r>
+              <a:rPr lang="en-US" dirty="0"/>
+              <a:t>	filter(age &gt;= 25) |&gt;</a:t>
+            </a:r>
+          </a:p>
+          <a:p>
+            <a:pPr marL="0" indent="0" defTabSz="685800">
+              <a:spcBef>
+                <a:spcPts val="0"/>
+              </a:spcBef>
+              <a:buNone/>
+              <a:defRPr/>
+            </a:pPr>
+            <a:r>
+              <a:rPr lang="en-US" dirty="0"/>
+              <a:t>	mutate(wage = income / </a:t>
+            </a:r>
+            <a:r>
+              <a:rPr lang="en-US" dirty="0" err="1"/>
+              <a:t>hours_worked</a:t>
+            </a:r>
+            <a:r>
+              <a:rPr lang="en-US" dirty="0"/>
+              <a:t>) |&gt;</a:t>
+            </a:r>
+          </a:p>
+          <a:p>
+            <a:pPr marL="0" indent="0" defTabSz="685800">
+              <a:spcBef>
+                <a:spcPts val="0"/>
+              </a:spcBef>
+              <a:buNone/>
+              <a:defRPr/>
+            </a:pPr>
+            <a:r>
+              <a:rPr lang="en-US" dirty="0"/>
+              <a:t>	</a:t>
+            </a:r>
+            <a:r>
+              <a:rPr lang="en-US" dirty="0" err="1"/>
+              <a:t>group_by</a:t>
+            </a:r>
+            <a:r>
+              <a:rPr lang="en-US" dirty="0"/>
+              <a:t>(state, year) |&gt;</a:t>
+            </a:r>
+          </a:p>
+          <a:p>
+            <a:pPr marL="0" indent="0" defTabSz="685800">
+              <a:spcBef>
+                <a:spcPts val="0"/>
+              </a:spcBef>
+              <a:buNone/>
+              <a:defRPr/>
+            </a:pPr>
+            <a:r>
+              <a:rPr lang="en-US" dirty="0"/>
+              <a:t>	</a:t>
+            </a:r>
+            <a:r>
+              <a:rPr lang="en-US" dirty="0" err="1"/>
+              <a:t>summarise</a:t>
+            </a:r>
+            <a:r>
+              <a:rPr lang="en-US" dirty="0"/>
+              <a:t>(</a:t>
+            </a:r>
+            <a:r>
+              <a:rPr lang="en-US" dirty="0" err="1"/>
+              <a:t>median_wage</a:t>
+            </a:r>
+            <a:r>
+              <a:rPr lang="en-US"/>
+              <a:t> = median(wage))</a:t>
+            </a:r>
+          </a:p>
+          <a:p>
+            <a:pPr marL="0" indent="0" defTabSz="685800">
+              <a:spcBef>
+                <a:spcPts val="0"/>
+              </a:spcBef>
+              <a:buNone/>
               <a:defRPr/>
             </a:pPr>
             <a:endParaRPr lang="en-US" dirty="0"/>
-          </a:p>
-          <a:p>
-            <a:pPr defTabSz="685800">
-              <a:spcBef>
-                <a:spcPts val="0"/>
-              </a:spcBef>
-              <a:buFontTx/>
-              <a:buChar char="-"/>
-              <a:defRPr/>
-            </a:pPr>
-            <a:r>
-              <a:rPr lang="en-US" dirty="0"/>
-              <a:t>merge datasets (</a:t>
-            </a:r>
-            <a:r>
-              <a:rPr lang="en-US" dirty="0" err="1"/>
-              <a:t>dplyr</a:t>
-            </a:r>
-            <a:r>
-              <a:rPr lang="en-US" dirty="0"/>
-              <a:t>)</a:t>
-            </a:r>
-          </a:p>
-          <a:p>
-            <a:pPr defTabSz="685800">
-              <a:spcBef>
-                <a:spcPts val="0"/>
-              </a:spcBef>
-              <a:buFontTx/>
-              <a:buChar char="-"/>
-              <a:defRPr/>
-            </a:pPr>
-            <a:r>
-              <a:rPr lang="en-US" dirty="0"/>
-              <a:t>“reshape” your data (</a:t>
-            </a:r>
-            <a:r>
-              <a:rPr lang="en-US" dirty="0" err="1"/>
-              <a:t>tidyr</a:t>
-            </a:r>
-            <a:r>
-              <a:rPr lang="en-US" dirty="0"/>
-              <a:t>)</a:t>
-            </a:r>
-          </a:p>
-          <a:p>
-            <a:pPr defTabSz="685800">
-              <a:spcBef>
-                <a:spcPts val="0"/>
-              </a:spcBef>
-              <a:buFontTx/>
-              <a:buChar char="-"/>
-              <a:defRPr/>
-            </a:pPr>
-            <a:endParaRPr lang="en-US" dirty="0"/>
-          </a:p>
-          <a:p>
-            <a:pPr defTabSz="685800">
-              <a:spcBef>
-                <a:spcPts val="0"/>
-              </a:spcBef>
-              <a:buFontTx/>
-              <a:buChar char="-"/>
-              <a:defRPr/>
-            </a:pPr>
-            <a:r>
-              <a:rPr lang="en-US" strike="sngStrike" dirty="0"/>
-              <a:t>visualize your data (ggplot2)</a:t>
-            </a:r>
           </a:p>
         </p:txBody>
       </p:sp>
     </p:spTree>
     <p:extLst>
       <p:ext uri="{BB962C8B-B14F-4D97-AF65-F5344CB8AC3E}">
-        <p14:creationId xmlns:p14="http://schemas.microsoft.com/office/powerpoint/2010/main" val="413997150"/>
+        <p14:creationId xmlns:p14="http://schemas.microsoft.com/office/powerpoint/2010/main" val="2023365948"/>
       </p:ext>
     </p:extLst>
   </p:cSld>
@@ -6576,6 +6677,247 @@
 </file>
 
 <file path=ppt/slides/slide20.xml><?xml version="1.0" encoding="utf-8"?>
+<p:sld xmlns:a="http://schemas.openxmlformats.org/drawingml/2006/main" xmlns:r="http://schemas.openxmlformats.org/officeDocument/2006/relationships" xmlns:p="http://schemas.openxmlformats.org/presentationml/2006/main">
+  <p:cSld>
+    <p:spTree>
+      <p:nvGrpSpPr>
+        <p:cNvPr id="1" name=""/>
+        <p:cNvGrpSpPr/>
+        <p:nvPr/>
+      </p:nvGrpSpPr>
+      <p:grpSpPr>
+        <a:xfrm>
+          <a:off x="0" y="0"/>
+          <a:ext cx="0" cy="0"/>
+          <a:chOff x="0" y="0"/>
+          <a:chExt cx="0" cy="0"/>
+        </a:xfrm>
+      </p:grpSpPr>
+      <p:sp>
+        <p:nvSpPr>
+          <p:cNvPr id="2" name="Title 1"/>
+          <p:cNvSpPr>
+            <a:spLocks noGrp="1"/>
+          </p:cNvSpPr>
+          <p:nvPr>
+            <p:ph type="title"/>
+          </p:nvPr>
+        </p:nvSpPr>
+        <p:spPr/>
+        <p:txBody>
+          <a:bodyPr>
+            <a:normAutofit/>
+          </a:bodyPr>
+          <a:lstStyle/>
+          <a:p>
+            <a:r>
+              <a:rPr lang="en-US" dirty="0"/>
+              <a:t>“Data Wrangling”</a:t>
+            </a:r>
+          </a:p>
+        </p:txBody>
+      </p:sp>
+      <p:sp>
+        <p:nvSpPr>
+          <p:cNvPr id="3" name="Content Placeholder 2"/>
+          <p:cNvSpPr>
+            <a:spLocks noGrp="1"/>
+          </p:cNvSpPr>
+          <p:nvPr>
+            <p:ph idx="1"/>
+          </p:nvPr>
+        </p:nvSpPr>
+        <p:spPr/>
+        <p:txBody>
+          <a:bodyPr>
+            <a:normAutofit lnSpcReduction="10000"/>
+          </a:bodyPr>
+          <a:lstStyle/>
+          <a:p>
+            <a:pPr marL="0" indent="0" defTabSz="685800">
+              <a:spcBef>
+                <a:spcPts val="0"/>
+              </a:spcBef>
+              <a:buNone/>
+              <a:defRPr/>
+            </a:pPr>
+            <a:r>
+              <a:rPr lang="en-US" dirty="0"/>
+              <a:t>99% of the data tasks you ever need to do are:</a:t>
+            </a:r>
+          </a:p>
+          <a:p>
+            <a:pPr marL="0" indent="0" defTabSz="685800">
+              <a:spcBef>
+                <a:spcPts val="0"/>
+              </a:spcBef>
+              <a:buNone/>
+              <a:defRPr/>
+            </a:pPr>
+            <a:endParaRPr lang="en-US" dirty="0"/>
+          </a:p>
+          <a:p>
+            <a:pPr defTabSz="685800">
+              <a:spcBef>
+                <a:spcPts val="0"/>
+              </a:spcBef>
+              <a:buFontTx/>
+              <a:buChar char="-"/>
+              <a:defRPr/>
+            </a:pPr>
+            <a:r>
+              <a:rPr lang="en-US" strike="sngStrike" dirty="0"/>
+              <a:t>subset your data (</a:t>
+            </a:r>
+            <a:r>
+              <a:rPr lang="en-US" strike="sngStrike" dirty="0" err="1"/>
+              <a:t>dplyr</a:t>
+            </a:r>
+            <a:r>
+              <a:rPr lang="en-US" strike="sngStrike" dirty="0"/>
+              <a:t>)</a:t>
+            </a:r>
+          </a:p>
+          <a:p>
+            <a:pPr defTabSz="685800">
+              <a:spcBef>
+                <a:spcPts val="0"/>
+              </a:spcBef>
+              <a:buFontTx/>
+              <a:buChar char="-"/>
+              <a:defRPr/>
+            </a:pPr>
+            <a:r>
+              <a:rPr lang="en-US" strike="sngStrike" dirty="0"/>
+              <a:t>create new variables (</a:t>
+            </a:r>
+            <a:r>
+              <a:rPr lang="en-US" strike="sngStrike" dirty="0" err="1"/>
+              <a:t>dplyr</a:t>
+            </a:r>
+            <a:r>
+              <a:rPr lang="en-US" strike="sngStrike" dirty="0"/>
+              <a:t>)</a:t>
+            </a:r>
+          </a:p>
+          <a:p>
+            <a:pPr defTabSz="685800">
+              <a:spcBef>
+                <a:spcPts val="0"/>
+              </a:spcBef>
+              <a:buFontTx/>
+              <a:buChar char="-"/>
+              <a:defRPr/>
+            </a:pPr>
+            <a:r>
+              <a:rPr lang="en-US" strike="sngStrike" dirty="0"/>
+              <a:t>create summaries (</a:t>
+            </a:r>
+            <a:r>
+              <a:rPr lang="en-US" strike="sngStrike" dirty="0" err="1"/>
+              <a:t>dplyr</a:t>
+            </a:r>
+            <a:r>
+              <a:rPr lang="en-US" strike="sngStrike" dirty="0"/>
+              <a:t>)</a:t>
+            </a:r>
+          </a:p>
+          <a:p>
+            <a:pPr defTabSz="685800">
+              <a:spcBef>
+                <a:spcPts val="0"/>
+              </a:spcBef>
+              <a:buFontTx/>
+              <a:buChar char="-"/>
+              <a:defRPr/>
+            </a:pPr>
+            <a:endParaRPr lang="en-US" dirty="0"/>
+          </a:p>
+          <a:p>
+            <a:pPr defTabSz="685800">
+              <a:spcBef>
+                <a:spcPts val="0"/>
+              </a:spcBef>
+              <a:buFontTx/>
+              <a:buChar char="-"/>
+              <a:defRPr/>
+            </a:pPr>
+            <a:r>
+              <a:rPr lang="en-US" dirty="0"/>
+              <a:t>merge datasets (</a:t>
+            </a:r>
+            <a:r>
+              <a:rPr lang="en-US" dirty="0" err="1"/>
+              <a:t>dplyr</a:t>
+            </a:r>
+            <a:r>
+              <a:rPr lang="en-US" dirty="0"/>
+              <a:t>)</a:t>
+            </a:r>
+          </a:p>
+          <a:p>
+            <a:pPr defTabSz="685800">
+              <a:spcBef>
+                <a:spcPts val="0"/>
+              </a:spcBef>
+              <a:buFontTx/>
+              <a:buChar char="-"/>
+              <a:defRPr/>
+            </a:pPr>
+            <a:r>
+              <a:rPr lang="en-US" dirty="0"/>
+              <a:t>“reshape” your data (</a:t>
+            </a:r>
+            <a:r>
+              <a:rPr lang="en-US" dirty="0" err="1"/>
+              <a:t>tidyr</a:t>
+            </a:r>
+            <a:r>
+              <a:rPr lang="en-US" dirty="0"/>
+              <a:t>)</a:t>
+            </a:r>
+          </a:p>
+          <a:p>
+            <a:pPr defTabSz="685800">
+              <a:spcBef>
+                <a:spcPts val="0"/>
+              </a:spcBef>
+              <a:buFontTx/>
+              <a:buChar char="-"/>
+              <a:defRPr/>
+            </a:pPr>
+            <a:endParaRPr lang="en-US" dirty="0"/>
+          </a:p>
+          <a:p>
+            <a:pPr defTabSz="685800">
+              <a:spcBef>
+                <a:spcPts val="0"/>
+              </a:spcBef>
+              <a:buFontTx/>
+              <a:buChar char="-"/>
+              <a:defRPr/>
+            </a:pPr>
+            <a:r>
+              <a:rPr lang="en-US" strike="sngStrike" dirty="0"/>
+              <a:t>visualize your data (ggplot2)</a:t>
+            </a:r>
+          </a:p>
+        </p:txBody>
+      </p:sp>
+    </p:spTree>
+    <p:extLst>
+      <p:ext uri="{BB962C8B-B14F-4D97-AF65-F5344CB8AC3E}">
+        <p14:creationId xmlns:p14="http://schemas.microsoft.com/office/powerpoint/2010/main" val="413997150"/>
+      </p:ext>
+    </p:extLst>
+  </p:cSld>
+  <p:clrMapOvr>
+    <a:masterClrMapping/>
+  </p:clrMapOvr>
+</p:sld>
+</file>
+
+<file path=ppt/slides/slide21.xml><?xml version="1.0" encoding="utf-8"?>
 <p:sld xmlns:a="http://schemas.openxmlformats.org/drawingml/2006/main" xmlns:r="http://schemas.openxmlformats.org/officeDocument/2006/relationships" xmlns:p="http://schemas.openxmlformats.org/presentationml/2006/main">
   <p:cSld>
     <p:spTree>
@@ -8031,7 +8373,7 @@
 </p:sld>
 </file>
 
-<file path=ppt/slides/slide21.xml><?xml version="1.0" encoding="utf-8"?>
+<file path=ppt/slides/slide22.xml><?xml version="1.0" encoding="utf-8"?>
 <p:sld xmlns:a="http://schemas.openxmlformats.org/drawingml/2006/main" xmlns:r="http://schemas.openxmlformats.org/officeDocument/2006/relationships" xmlns:p="http://schemas.openxmlformats.org/presentationml/2006/main">
   <p:cSld>
     <p:spTree>
@@ -9621,7 +9963,7 @@
 </p:sld>
 </file>
 
-<file path=ppt/slides/slide22.xml><?xml version="1.0" encoding="utf-8"?>
+<file path=ppt/slides/slide23.xml><?xml version="1.0" encoding="utf-8"?>
 <p:sld xmlns:a="http://schemas.openxmlformats.org/drawingml/2006/main" xmlns:r="http://schemas.openxmlformats.org/officeDocument/2006/relationships" xmlns:p="http://schemas.openxmlformats.org/presentationml/2006/main">
   <p:cSld>
     <p:spTree>
@@ -10485,7 +10827,7 @@
 </p:sld>
 </file>
 
-<file path=ppt/slides/slide23.xml><?xml version="1.0" encoding="utf-8"?>
+<file path=ppt/slides/slide24.xml><?xml version="1.0" encoding="utf-8"?>
 <p:sld xmlns:a="http://schemas.openxmlformats.org/drawingml/2006/main" xmlns:r="http://schemas.openxmlformats.org/officeDocument/2006/relationships" xmlns:p="http://schemas.openxmlformats.org/presentationml/2006/main">
   <p:cSld>
     <p:spTree>
@@ -11450,7 +11792,7 @@
 </p:sld>
 </file>
 
-<file path=ppt/slides/slide24.xml><?xml version="1.0" encoding="utf-8"?>
+<file path=ppt/slides/slide25.xml><?xml version="1.0" encoding="utf-8"?>
 <p:sld xmlns:a="http://schemas.openxmlformats.org/drawingml/2006/main" xmlns:r="http://schemas.openxmlformats.org/officeDocument/2006/relationships" xmlns:p="http://schemas.openxmlformats.org/presentationml/2006/main">
   <p:cSld>
     <p:spTree>
@@ -12511,7 +12853,7 @@
 </p:sld>
 </file>
 
-<file path=ppt/slides/slide25.xml><?xml version="1.0" encoding="utf-8"?>
+<file path=ppt/slides/slide26.xml><?xml version="1.0" encoding="utf-8"?>
 <p:sld xmlns:a="http://schemas.openxmlformats.org/drawingml/2006/main" xmlns:r="http://schemas.openxmlformats.org/officeDocument/2006/relationships" xmlns:p="http://schemas.openxmlformats.org/presentationml/2006/main">
   <p:cSld>
     <p:spTree>
@@ -13535,7 +13877,7 @@
 </p:sld>
 </file>
 
-<file path=ppt/slides/slide26.xml><?xml version="1.0" encoding="utf-8"?>
+<file path=ppt/slides/slide27.xml><?xml version="1.0" encoding="utf-8"?>
 <p:sld xmlns:a="http://schemas.openxmlformats.org/drawingml/2006/main" xmlns:r="http://schemas.openxmlformats.org/officeDocument/2006/relationships" xmlns:p="http://schemas.openxmlformats.org/presentationml/2006/main">
   <p:cSld>
     <p:spTree>
@@ -13812,7 +14154,7 @@
 </p:sld>
 </file>
 
-<file path=ppt/slides/slide27.xml><?xml version="1.0" encoding="utf-8"?>
+<file path=ppt/slides/slide28.xml><?xml version="1.0" encoding="utf-8"?>
 <p:sld xmlns:a="http://schemas.openxmlformats.org/drawingml/2006/main" xmlns:r="http://schemas.openxmlformats.org/officeDocument/2006/relationships" xmlns:p="http://schemas.openxmlformats.org/presentationml/2006/main">
   <p:cSld>
     <p:spTree>
@@ -14488,7 +14830,7 @@
 </p:sld>
 </file>
 
-<file path=ppt/slides/slide28.xml><?xml version="1.0" encoding="utf-8"?>
+<file path=ppt/slides/slide29.xml><?xml version="1.0" encoding="utf-8"?>
 <p:sld xmlns:a="http://schemas.openxmlformats.org/drawingml/2006/main" xmlns:r="http://schemas.openxmlformats.org/officeDocument/2006/relationships" xmlns:p="http://schemas.openxmlformats.org/presentationml/2006/main">
   <p:cSld>
     <p:spTree>
@@ -14664,7 +15006,7 @@
             </a:pPr>
             <a:r>
               <a:rPr lang="en-US" b="1" dirty="0"/>
-              <a:t>Data Munging with the </a:t>
+              <a:t>Data Wrangling with the </a:t>
             </a:r>
             <a:r>
               <a:rPr lang="en-US" b="1" dirty="0" err="1"/>

--- a/session-3-wrangling/session-3-wrangling.pptx
+++ b/session-3-wrangling/session-3-wrangling.pptx
@@ -3913,6 +3913,93 @@
           </a:prstGeom>
         </p:spPr>
       </p:pic>
+      <p:pic>
+        <p:nvPicPr>
+          <p:cNvPr id="9" name="Picture 8">
+            <a:extLst>
+              <a:ext uri="{FF2B5EF4-FFF2-40B4-BE49-F238E27FC236}">
+                <a16:creationId xmlns:a16="http://schemas.microsoft.com/office/drawing/2014/main" id="{7FE4434F-8FAC-8838-E5FE-CB7F2E546EA5}"/>
+              </a:ext>
+            </a:extLst>
+          </p:cNvPr>
+          <p:cNvPicPr>
+            <a:picLocks noChangeAspect="1"/>
+          </p:cNvPicPr>
+          <p:nvPr/>
+        </p:nvPicPr>
+        <p:blipFill rotWithShape="1">
+          <a:blip r:embed="rId2"/>
+          <a:srcRect l="58000" t="50196" r="28000" b="30980"/>
+          <a:stretch/>
+        </p:blipFill>
+        <p:spPr>
+          <a:xfrm>
+            <a:off x="3849596" y="2330824"/>
+            <a:ext cx="1066800" cy="1447800"/>
+          </a:xfrm>
+          <a:prstGeom prst="rect">
+            <a:avLst/>
+          </a:prstGeom>
+        </p:spPr>
+      </p:pic>
+      <p:pic>
+        <p:nvPicPr>
+          <p:cNvPr id="11" name="Picture 10">
+            <a:extLst>
+              <a:ext uri="{FF2B5EF4-FFF2-40B4-BE49-F238E27FC236}">
+                <a16:creationId xmlns:a16="http://schemas.microsoft.com/office/drawing/2014/main" id="{A241642A-AC8F-9ADC-B35A-61534FFF0FE1}"/>
+              </a:ext>
+            </a:extLst>
+          </p:cNvPr>
+          <p:cNvPicPr>
+            <a:picLocks noChangeAspect="1"/>
+          </p:cNvPicPr>
+          <p:nvPr/>
+        </p:nvPicPr>
+        <p:blipFill rotWithShape="1">
+          <a:blip r:embed="rId2"/>
+          <a:srcRect l="58000" t="50196" r="28000" b="30980"/>
+          <a:stretch/>
+        </p:blipFill>
+        <p:spPr>
+          <a:xfrm>
+            <a:off x="3942604" y="2377141"/>
+            <a:ext cx="1066800" cy="1447800"/>
+          </a:xfrm>
+          <a:prstGeom prst="rect">
+            <a:avLst/>
+          </a:prstGeom>
+        </p:spPr>
+      </p:pic>
+      <p:pic>
+        <p:nvPicPr>
+          <p:cNvPr id="8" name="Picture 7">
+            <a:extLst>
+              <a:ext uri="{FF2B5EF4-FFF2-40B4-BE49-F238E27FC236}">
+                <a16:creationId xmlns:a16="http://schemas.microsoft.com/office/drawing/2014/main" id="{750A7998-D2E2-3910-9714-E814ACABE7FD}"/>
+              </a:ext>
+            </a:extLst>
+          </p:cNvPr>
+          <p:cNvPicPr>
+            <a:picLocks noChangeAspect="1"/>
+          </p:cNvPicPr>
+          <p:nvPr/>
+        </p:nvPicPr>
+        <p:blipFill rotWithShape="1">
+          <a:blip r:embed="rId2"/>
+          <a:srcRect l="34000" t="6079" r="32000" b="34510"/>
+          <a:stretch/>
+        </p:blipFill>
+        <p:spPr>
+          <a:xfrm>
+            <a:off x="4227606" y="2362200"/>
+            <a:ext cx="1295400" cy="1443037"/>
+          </a:xfrm>
+          <a:prstGeom prst="rect">
+            <a:avLst/>
+          </a:prstGeom>
+        </p:spPr>
+      </p:pic>
       <p:cxnSp>
         <p:nvCxnSpPr>
           <p:cNvPr id="10" name="Straight Connector 9">
@@ -3929,7 +4016,7 @@
         </p:nvCxnSpPr>
         <p:spPr>
           <a:xfrm>
-            <a:off x="3733800" y="2590800"/>
+            <a:off x="4038600" y="2567641"/>
             <a:ext cx="0" cy="1066800"/>
           </a:xfrm>
           <a:prstGeom prst="line">
@@ -11727,7 +11814,7 @@
         <p:spPr>
           <a:xfrm>
             <a:off x="4171950" y="3714751"/>
-            <a:ext cx="3600450" cy="369332"/>
+            <a:ext cx="3600450" cy="1477328"/>
           </a:xfrm>
           <a:prstGeom prst="rect">
             <a:avLst/>
@@ -11741,8 +11828,18 @@
           <a:lstStyle/>
           <a:p>
             <a:r>
+              <a:rPr lang="en-US" b="1" dirty="0" err="1"/>
+              <a:t>pivot_wider</a:t>
+            </a:r>
+            <a:r>
               <a:rPr lang="en-US" b="1" dirty="0"/>
-              <a:t>spread(</a:t>
+              <a:t>(</a:t>
+            </a:r>
+          </a:p>
+          <a:p>
+            <a:r>
+              <a:rPr lang="en-US" b="1" dirty="0"/>
+              <a:t>	</a:t>
             </a:r>
             <a:r>
               <a:rPr lang="en-US" b="1" dirty="0" err="1"/>
@@ -11750,28 +11847,66 @@
             </a:r>
             <a:r>
               <a:rPr lang="en-US" b="1" dirty="0"/>
-              <a:t>, </a:t>
-            </a:r>
+              <a:t>,</a:t>
+            </a:r>
+          </a:p>
+          <a:p>
             <a:r>
               <a:rPr lang="en-US" b="1" dirty="0">
                 <a:solidFill>
                   <a:srgbClr val="FF0000"/>
                 </a:solidFill>
               </a:rPr>
-              <a:t>key = year</a:t>
+              <a:t>	</a:t>
+            </a:r>
+            <a:r>
+              <a:rPr lang="en-US" b="1" dirty="0" err="1">
+                <a:solidFill>
+                  <a:srgbClr val="FF0000"/>
+                </a:solidFill>
+              </a:rPr>
+              <a:t>names_from</a:t>
+            </a:r>
+            <a:r>
+              <a:rPr lang="en-US" b="1" dirty="0">
+                <a:solidFill>
+                  <a:srgbClr val="FF0000"/>
+                </a:solidFill>
+              </a:rPr>
+              <a:t>= year</a:t>
             </a:r>
             <a:r>
               <a:rPr lang="en-US" b="1" dirty="0"/>
               <a:t>, </a:t>
             </a:r>
+          </a:p>
+          <a:p>
             <a:r>
               <a:rPr lang="en-US" b="1" dirty="0">
                 <a:solidFill>
                   <a:srgbClr val="00B050"/>
                 </a:solidFill>
               </a:rPr>
-              <a:t>value = phi</a:t>
-            </a:r>
+              <a:t>	</a:t>
+            </a:r>
+            <a:r>
+              <a:rPr lang="en-US" b="1" dirty="0" err="1">
+                <a:solidFill>
+                  <a:srgbClr val="00B050"/>
+                </a:solidFill>
+              </a:rPr>
+              <a:t>values_from</a:t>
+            </a:r>
+            <a:r>
+              <a:rPr lang="en-US" b="1" dirty="0">
+                <a:solidFill>
+                  <a:srgbClr val="00B050"/>
+                </a:solidFill>
+              </a:rPr>
+              <a:t> = phi</a:t>
+            </a:r>
+          </a:p>
+          <a:p>
             <a:r>
               <a:rPr lang="en-US" b="1" dirty="0"/>
               <a:t>) </a:t>
@@ -12692,7 +12827,7 @@
         <p:spPr>
           <a:xfrm>
             <a:off x="4171950" y="3714751"/>
-            <a:ext cx="3600450" cy="369332"/>
+            <a:ext cx="3600450" cy="1477328"/>
           </a:xfrm>
           <a:prstGeom prst="rect">
             <a:avLst/>
@@ -12706,8 +12841,18 @@
           <a:lstStyle/>
           <a:p>
             <a:r>
+              <a:rPr lang="en-US" b="1" dirty="0" err="1"/>
+              <a:t>pivot_wider</a:t>
+            </a:r>
+            <a:r>
               <a:rPr lang="en-US" b="1" dirty="0"/>
-              <a:t>spread(</a:t>
+              <a:t>(</a:t>
+            </a:r>
+          </a:p>
+          <a:p>
+            <a:r>
+              <a:rPr lang="en-US" b="1" dirty="0"/>
+              <a:t>	</a:t>
             </a:r>
             <a:r>
               <a:rPr lang="en-US" b="1" dirty="0" err="1"/>
@@ -12715,28 +12860,66 @@
             </a:r>
             <a:r>
               <a:rPr lang="en-US" b="1" dirty="0"/>
-              <a:t>, </a:t>
-            </a:r>
+              <a:t>,</a:t>
+            </a:r>
+          </a:p>
+          <a:p>
             <a:r>
               <a:rPr lang="en-US" b="1" dirty="0">
                 <a:solidFill>
                   <a:srgbClr val="FF0000"/>
                 </a:solidFill>
               </a:rPr>
-              <a:t>key = year</a:t>
+              <a:t>	</a:t>
+            </a:r>
+            <a:r>
+              <a:rPr lang="en-US" b="1" dirty="0" err="1">
+                <a:solidFill>
+                  <a:srgbClr val="FF0000"/>
+                </a:solidFill>
+              </a:rPr>
+              <a:t>names_from</a:t>
+            </a:r>
+            <a:r>
+              <a:rPr lang="en-US" b="1" dirty="0">
+                <a:solidFill>
+                  <a:srgbClr val="FF0000"/>
+                </a:solidFill>
+              </a:rPr>
+              <a:t>= year</a:t>
             </a:r>
             <a:r>
               <a:rPr lang="en-US" b="1" dirty="0"/>
               <a:t>, </a:t>
             </a:r>
+          </a:p>
+          <a:p>
             <a:r>
               <a:rPr lang="en-US" b="1" dirty="0">
                 <a:solidFill>
                   <a:srgbClr val="00B050"/>
                 </a:solidFill>
               </a:rPr>
-              <a:t>value = phi</a:t>
-            </a:r>
+              <a:t>	</a:t>
+            </a:r>
+            <a:r>
+              <a:rPr lang="en-US" b="1" dirty="0" err="1">
+                <a:solidFill>
+                  <a:srgbClr val="00B050"/>
+                </a:solidFill>
+              </a:rPr>
+              <a:t>values_from</a:t>
+            </a:r>
+            <a:r>
+              <a:rPr lang="en-US" b="1" dirty="0">
+                <a:solidFill>
+                  <a:srgbClr val="00B050"/>
+                </a:solidFill>
+              </a:rPr>
+              <a:t> = phi</a:t>
+            </a:r>
+          </a:p>
+          <a:p>
             <a:r>
               <a:rPr lang="en-US" b="1" dirty="0"/>
               <a:t>) </a:t>
@@ -13335,7 +13518,13 @@
           <p:cNvGraphicFramePr>
             <a:graphicFrameLocks/>
           </p:cNvGraphicFramePr>
-          <p:nvPr/>
+          <p:nvPr>
+            <p:extLst>
+              <p:ext uri="{D42A27DB-BD31-4B8C-83A1-F6EECF244321}">
+                <p14:modId xmlns:p14="http://schemas.microsoft.com/office/powerpoint/2010/main" val="1539760415"/>
+              </p:ext>
+            </p:extLst>
+          </p:nvPr>
         </p:nvGraphicFramePr>
         <p:xfrm>
           <a:off x="4229101" y="2257412"/>
@@ -13416,7 +13605,7 @@
                     <a:p>
                       <a:r>
                         <a:rPr lang="en-US" sz="1400" dirty="0"/>
-                        <a:t>2001</a:t>
+                        <a:t>y2001</a:t>
                       </a:r>
                     </a:p>
                   </a:txBody>
@@ -13439,7 +13628,7 @@
                     <a:p>
                       <a:r>
                         <a:rPr lang="en-US" sz="1400" dirty="0"/>
-                        <a:t>2002</a:t>
+                        <a:t>y2002</a:t>
                       </a:r>
                     </a:p>
                   </a:txBody>
@@ -13462,7 +13651,7 @@
                     <a:p>
                       <a:r>
                         <a:rPr lang="en-US" sz="1400" dirty="0"/>
-                        <a:t>2003</a:t>
+                        <a:t>y2003</a:t>
                       </a:r>
                     </a:p>
                   </a:txBody>
@@ -13753,7 +13942,7 @@
         <p:spPr>
           <a:xfrm>
             <a:off x="3771900" y="3714751"/>
-            <a:ext cx="4229100" cy="369332"/>
+            <a:ext cx="4229100" cy="1754326"/>
           </a:xfrm>
           <a:prstGeom prst="rect">
             <a:avLst/>
@@ -13767,51 +13956,91 @@
           <a:lstStyle/>
           <a:p>
             <a:r>
+              <a:rPr lang="en-US" b="1" dirty="0" err="1"/>
+              <a:t>pivot_longer</a:t>
+            </a:r>
+            <a:r>
               <a:rPr lang="en-US" b="1" dirty="0"/>
-              <a:t>gather(</a:t>
+              <a:t>(</a:t>
+            </a:r>
+          </a:p>
+          <a:p>
+            <a:r>
+              <a:rPr lang="en-US" b="1" dirty="0"/>
+              <a:t>	</a:t>
             </a:r>
             <a:r>
               <a:rPr lang="en-US" b="1" dirty="0" err="1"/>
-              <a:t>df</a:t>
+              <a:t>wide_df</a:t>
             </a:r>
             <a:r>
               <a:rPr lang="en-US" b="1" dirty="0"/>
               <a:t>, </a:t>
             </a:r>
+          </a:p>
+          <a:p>
+            <a:r>
+              <a:rPr lang="en-US" b="1" dirty="0"/>
+              <a:t>	y2001:y2003,</a:t>
+            </a:r>
+          </a:p>
+          <a:p>
             <a:r>
               <a:rPr lang="en-US" b="1" dirty="0">
                 <a:solidFill>
                   <a:srgbClr val="FF0000"/>
                 </a:solidFill>
               </a:rPr>
-              <a:t>key = “year”</a:t>
+              <a:t>	</a:t>
+            </a:r>
+            <a:r>
+              <a:rPr lang="en-US" b="1" dirty="0" err="1">
+                <a:solidFill>
+                  <a:srgbClr val="FF0000"/>
+                </a:solidFill>
+              </a:rPr>
+              <a:t>names_to</a:t>
+            </a:r>
+            <a:r>
+              <a:rPr lang="en-US" b="1" dirty="0">
+                <a:solidFill>
+                  <a:srgbClr val="FF0000"/>
+                </a:solidFill>
+              </a:rPr>
+              <a:t> = “year”</a:t>
             </a:r>
             <a:r>
               <a:rPr lang="en-US" b="1" dirty="0"/>
               <a:t>, </a:t>
             </a:r>
+          </a:p>
+          <a:p>
             <a:r>
               <a:rPr lang="en-US" b="1" dirty="0">
                 <a:solidFill>
                   <a:srgbClr val="00B050"/>
                 </a:solidFill>
               </a:rPr>
-              <a:t>value = “phi”</a:t>
-            </a:r>
-            <a:r>
-              <a:rPr lang="en-US" b="1" dirty="0"/>
-              <a:t>, </a:t>
+              <a:t>	</a:t>
+            </a:r>
+            <a:r>
+              <a:rPr lang="en-US" b="1" dirty="0" err="1">
+                <a:solidFill>
+                  <a:srgbClr val="00B050"/>
+                </a:solidFill>
+              </a:rPr>
+              <a:t>values_to</a:t>
             </a:r>
             <a:r>
               <a:rPr lang="en-US" b="1" dirty="0">
                 <a:solidFill>
-                  <a:schemeClr val="accent6">
-                    <a:lumMod val="75000"/>
-                  </a:schemeClr>
+                  <a:srgbClr val="00B050"/>
                 </a:solidFill>
               </a:rPr>
-              <a:t>2:4</a:t>
-            </a:r>
+              <a:t> = “phi”</a:t>
+            </a:r>
+          </a:p>
+          <a:p>
             <a:r>
               <a:rPr lang="en-US" b="1" dirty="0"/>
               <a:t>) </a:t>
